--- a/PCA on Stock Market.pptx
+++ b/PCA on Stock Market.pptx
@@ -945,6 +945,30 @@
             <ac:picMk id="13" creationId="{F184BCCB-4A25-451D-A3BE-86B87CA4D73A}"/>
           </ac:picMkLst>
         </pc:picChg>
+      </pc:sldChg>
+    </pc:docChg>
+  </pc:docChgLst>
+  <pc:docChgLst>
+    <pc:chgData name="Fernando Vieira Santos Filho" userId="af06b796a50d6c86" providerId="LiveId" clId="{DD024D32-0CB7-4D6F-80D1-78FE84B9458C}"/>
+    <pc:docChg chg="modSld">
+      <pc:chgData name="Fernando Vieira Santos Filho" userId="af06b796a50d6c86" providerId="LiveId" clId="{DD024D32-0CB7-4D6F-80D1-78FE84B9458C}" dt="2021-07-07T13:02:11.981" v="3" actId="20577"/>
+      <pc:docMkLst>
+        <pc:docMk/>
+      </pc:docMkLst>
+      <pc:sldChg chg="modSp mod">
+        <pc:chgData name="Fernando Vieira Santos Filho" userId="af06b796a50d6c86" providerId="LiveId" clId="{DD024D32-0CB7-4D6F-80D1-78FE84B9458C}" dt="2021-07-07T13:02:11.981" v="3" actId="20577"/>
+        <pc:sldMkLst>
+          <pc:docMk/>
+          <pc:sldMk cId="173277749" sldId="310"/>
+        </pc:sldMkLst>
+        <pc:spChg chg="mod">
+          <ac:chgData name="Fernando Vieira Santos Filho" userId="af06b796a50d6c86" providerId="LiveId" clId="{DD024D32-0CB7-4D6F-80D1-78FE84B9458C}" dt="2021-07-07T13:02:11.981" v="3" actId="20577"/>
+          <ac:spMkLst>
+            <pc:docMk/>
+            <pc:sldMk cId="173277749" sldId="310"/>
+            <ac:spMk id="6" creationId="{B95283A3-532D-47FE-BF32-92733CB8D29A}"/>
+          </ac:spMkLst>
+        </pc:spChg>
       </pc:sldChg>
     </pc:docChg>
   </pc:docChgLst>
@@ -5101,7 +5125,7 @@
           <a:p>
             <a:fld id="{9184DA70-C731-4C70-880D-CCD4705E623C}" type="datetime1">
               <a:rPr lang="en-US" smtClean="0"/>
-              <a:t>7/3/2021</a:t>
+              <a:t>7/7/2021</a:t>
             </a:fld>
             <a:endParaRPr lang="en-US" dirty="0"/>
           </a:p>
@@ -5289,7 +5313,7 @@
           <a:p>
             <a:fld id="{4BE1D723-8F53-4F53-90B0-1982A396982E}" type="datetime1">
               <a:rPr lang="en-US" smtClean="0"/>
-              <a:t>7/3/2021</a:t>
+              <a:t>7/7/2021</a:t>
             </a:fld>
             <a:endParaRPr lang="en-US" dirty="0"/>
           </a:p>
@@ -5662,7 +5686,7 @@
           <a:p>
             <a:fld id="{97669AF7-7BEB-44E4-9852-375E34362B5B}" type="datetime1">
               <a:rPr lang="en-US" smtClean="0"/>
-              <a:t>7/3/2021</a:t>
+              <a:t>7/7/2021</a:t>
             </a:fld>
             <a:endParaRPr lang="en-US" dirty="0"/>
           </a:p>
@@ -5917,7 +5941,7 @@
           <a:p>
             <a:fld id="{BAAAC38D-0552-4C82-B593-E6124DFADBE2}" type="datetime1">
               <a:rPr lang="en-US" smtClean="0"/>
-              <a:t>7/3/2021</a:t>
+              <a:t>7/7/2021</a:t>
             </a:fld>
             <a:endParaRPr lang="en-US" dirty="0"/>
           </a:p>
@@ -6314,7 +6338,7 @@
           <a:p>
             <a:fld id="{D9DF0F1C-5577-4ACB-BB62-DF8F3C494C7E}" type="datetime1">
               <a:rPr lang="en-US" smtClean="0"/>
-              <a:t>7/3/2021</a:t>
+              <a:t>7/7/2021</a:t>
             </a:fld>
             <a:endParaRPr lang="en-US" dirty="0"/>
           </a:p>
@@ -6450,7 +6474,7 @@
           <a:p>
             <a:fld id="{1775B394-D9F9-4F0C-B15D-605F45CB9E9F}" type="datetime1">
               <a:rPr lang="en-US" smtClean="0"/>
-              <a:t>7/3/2021</a:t>
+              <a:t>7/7/2021</a:t>
             </a:fld>
             <a:endParaRPr lang="en-US" dirty="0"/>
           </a:p>
@@ -6607,7 +6631,7 @@
           <a:p>
             <a:fld id="{39667345-2558-425A-8533-9BFDBCE15005}" type="datetime1">
               <a:rPr lang="en-US" smtClean="0"/>
-              <a:t>7/3/2021</a:t>
+              <a:t>7/7/2021</a:t>
             </a:fld>
             <a:endParaRPr lang="en-US" dirty="0"/>
           </a:p>
@@ -6936,7 +6960,7 @@
           <a:p>
             <a:fld id="{92BEA474-078D-4E9B-9B14-09A87B19DC46}" type="datetime1">
               <a:rPr lang="en-US" smtClean="0"/>
-              <a:t>7/3/2021</a:t>
+              <a:t>7/7/2021</a:t>
             </a:fld>
             <a:endParaRPr lang="en-US" dirty="0"/>
           </a:p>
@@ -7286,7 +7310,7 @@
           <a:p>
             <a:fld id="{4907D986-8816-4272-A432-0437A28A9828}" type="datetime1">
               <a:rPr lang="en-US" smtClean="0"/>
-              <a:t>7/3/2021</a:t>
+              <a:t>7/7/2021</a:t>
             </a:fld>
             <a:endParaRPr lang="en-US" dirty="0"/>
           </a:p>
@@ -7547,7 +7571,7 @@
           <a:p>
             <a:fld id="{62D6E202-B606-4609-B914-27C9371A1F6D}" type="datetime1">
               <a:rPr lang="en-US" smtClean="0"/>
-              <a:t>7/3/2021</a:t>
+              <a:t>7/7/2021</a:t>
             </a:fld>
             <a:endParaRPr lang="en-US" dirty="0"/>
           </a:p>
@@ -9691,7 +9715,15 @@
           <a:p>
             <a:r>
               <a:rPr lang="en-US" dirty="0"/>
-              <a:t>In this chart we compare the Beta (sensitivity against its own index) of the original </a:t>
+              <a:t>In this chart we compare the Beta (sensitivity </a:t>
+            </a:r>
+            <a:r>
+              <a:rPr lang="en-US"/>
+              <a:t>against the index</a:t>
+            </a:r>
+            <a:r>
+              <a:rPr lang="en-US" dirty="0"/>
+              <a:t>) of the original </a:t>
             </a:r>
             <a:r>
               <a:rPr lang="en-US" dirty="0" err="1"/>
@@ -14233,15 +14265,6 @@
 </file>
 
 <file path=customXml/item1.xml><?xml version="1.0" encoding="utf-8"?>
-<p:properties xmlns:p="http://schemas.microsoft.com/office/2006/metadata/properties" xmlns:xsi="http://www.w3.org/2001/XMLSchema-instance" xmlns:pc="http://schemas.microsoft.com/office/infopath/2007/PartnerControls">
-  <documentManagement>
-    <Status xmlns="71af3243-3dd4-4a8d-8c0d-dd76da1f02a5">Not started</Status>
-    <MediaServiceKeyPoints xmlns="71af3243-3dd4-4a8d-8c0d-dd76da1f02a5" xsi:nil="true"/>
-  </documentManagement>
-</p:properties>
-</file>
-
-<file path=customXml/item2.xml><?xml version="1.0" encoding="utf-8"?>
 <ct:contentTypeSchema xmlns:ct="http://schemas.microsoft.com/office/2006/metadata/contentType" xmlns:ma="http://schemas.microsoft.com/office/2006/metadata/properties/metaAttributes" ct:_="" ma:_="" ma:contentTypeName="Document" ma:contentTypeID="0x01010079F111ED35F8CC479449609E8A0923A6" ma:contentTypeVersion="12" ma:contentTypeDescription="Create a new document." ma:contentTypeScope="" ma:versionID="a410dd7f93c95333ffa1b60ed6adedd1">
   <xsd:schema xmlns:xsd="http://www.w3.org/2001/XMLSchema" xmlns:xs="http://www.w3.org/2001/XMLSchema" xmlns:p="http://schemas.microsoft.com/office/2006/metadata/properties" xmlns:ns2="71af3243-3dd4-4a8d-8c0d-dd76da1f02a5" xmlns:ns3="16c05727-aa75-4e4a-9b5f-8a80a1165891" targetNamespace="http://schemas.microsoft.com/office/2006/metadata/properties" ma:root="true" ma:fieldsID="a936d9baba76aa3866493feff160faab" ns2:_="" ns3:_="">
     <xsd:import namespace="71af3243-3dd4-4a8d-8c0d-dd76da1f02a5"/>
@@ -14462,6 +14485,15 @@
 </ct:contentTypeSchema>
 </file>
 
+<file path=customXml/item2.xml><?xml version="1.0" encoding="utf-8"?>
+<p:properties xmlns:p="http://schemas.microsoft.com/office/2006/metadata/properties" xmlns:xsi="http://www.w3.org/2001/XMLSchema-instance" xmlns:pc="http://schemas.microsoft.com/office/infopath/2007/PartnerControls">
+  <documentManagement>
+    <Status xmlns="71af3243-3dd4-4a8d-8c0d-dd76da1f02a5">Not started</Status>
+    <MediaServiceKeyPoints xmlns="71af3243-3dd4-4a8d-8c0d-dd76da1f02a5" xsi:nil="true"/>
+  </documentManagement>
+</p:properties>
+</file>
+
 <file path=customXml/item3.xml><?xml version="1.0" encoding="utf-8"?>
 <?mso-contentType ?>
 <FormTemplates xmlns="http://schemas.microsoft.com/sharepoint/v3/contenttype/forms">
@@ -14472,16 +14504,6 @@
 </file>
 
 <file path=customXml/itemProps1.xml><?xml version="1.0" encoding="utf-8"?>
-<ds:datastoreItem xmlns:ds="http://schemas.openxmlformats.org/officeDocument/2006/customXml" ds:itemID="{A03EEFF0-FB57-4CB4-8BFC-DF397689E2ED}">
-  <ds:schemaRefs>
-    <ds:schemaRef ds:uri="http://schemas.microsoft.com/office/2006/metadata/properties"/>
-    <ds:schemaRef ds:uri="http://schemas.microsoft.com/office/infopath/2007/PartnerControls"/>
-    <ds:schemaRef ds:uri="71af3243-3dd4-4a8d-8c0d-dd76da1f02a5"/>
-  </ds:schemaRefs>
-</ds:datastoreItem>
-</file>
-
-<file path=customXml/itemProps2.xml><?xml version="1.0" encoding="utf-8"?>
 <ds:datastoreItem xmlns:ds="http://schemas.openxmlformats.org/officeDocument/2006/customXml" ds:itemID="{93932EF5-314F-409E-8020-FEE5FA0795B9}">
   <ds:schemaRefs>
     <ds:schemaRef ds:uri="http://schemas.microsoft.com/office/2006/metadata/contentType"/>
@@ -14500,6 +14522,16 @@
 </ds:datastoreItem>
 </file>
 
+<file path=customXml/itemProps2.xml><?xml version="1.0" encoding="utf-8"?>
+<ds:datastoreItem xmlns:ds="http://schemas.openxmlformats.org/officeDocument/2006/customXml" ds:itemID="{A03EEFF0-FB57-4CB4-8BFC-DF397689E2ED}">
+  <ds:schemaRefs>
+    <ds:schemaRef ds:uri="http://schemas.microsoft.com/office/2006/metadata/properties"/>
+    <ds:schemaRef ds:uri="http://schemas.microsoft.com/office/infopath/2007/PartnerControls"/>
+    <ds:schemaRef ds:uri="71af3243-3dd4-4a8d-8c0d-dd76da1f02a5"/>
+  </ds:schemaRefs>
+</ds:datastoreItem>
+</file>
+
 <file path=customXml/itemProps3.xml><?xml version="1.0" encoding="utf-8"?>
 <ds:datastoreItem xmlns:ds="http://schemas.openxmlformats.org/officeDocument/2006/customXml" ds:itemID="{AA3F7EDC-E5B4-4BBC-9D2A-CBE6D46C37AD}">
   <ds:schemaRefs>
